--- a/pres/07-Collections.pptx
+++ b/pres/07-Collections.pptx
@@ -572,7 +572,7 @@
           <a:p>
             <a:fld id="{7C39CBCD-BAEA-F34E-BFE6-3AF2D904572A}" type="datetimeFigureOut">
               <a:rPr lang="en-CY" smtClean="0"/>
-              <a:t>11/12/2023</a:t>
+              <a:t>12/12/2023</a:t>
             </a:fld>
             <a:endParaRPr lang="en-CY"/>
           </a:p>
@@ -1073,7 +1073,7 @@
           <a:p>
             <a:fld id="{EFAAC8F1-21AA-47EF-82D9-7929EA07D29D}" type="datetimeFigureOut">
               <a:rPr lang="ru-RU" smtClean="0"/>
-              <a:t>11.12.2023</a:t>
+              <a:t>12.12.2023</a:t>
             </a:fld>
             <a:endParaRPr lang="ru-RU"/>
           </a:p>
@@ -1273,7 +1273,7 @@
           <a:p>
             <a:fld id="{EFAAC8F1-21AA-47EF-82D9-7929EA07D29D}" type="datetimeFigureOut">
               <a:rPr lang="ru-RU" smtClean="0"/>
-              <a:t>11.12.2023</a:t>
+              <a:t>12.12.2023</a:t>
             </a:fld>
             <a:endParaRPr lang="ru-RU"/>
           </a:p>
@@ -1483,7 +1483,7 @@
           <a:p>
             <a:fld id="{EFAAC8F1-21AA-47EF-82D9-7929EA07D29D}" type="datetimeFigureOut">
               <a:rPr lang="ru-RU" smtClean="0"/>
-              <a:t>11.12.2023</a:t>
+              <a:t>12.12.2023</a:t>
             </a:fld>
             <a:endParaRPr lang="ru-RU"/>
           </a:p>
@@ -1683,7 +1683,7 @@
           <a:p>
             <a:fld id="{EFAAC8F1-21AA-47EF-82D9-7929EA07D29D}" type="datetimeFigureOut">
               <a:rPr lang="ru-RU" smtClean="0"/>
-              <a:t>11.12.2023</a:t>
+              <a:t>12.12.2023</a:t>
             </a:fld>
             <a:endParaRPr lang="ru-RU"/>
           </a:p>
@@ -1959,7 +1959,7 @@
           <a:p>
             <a:fld id="{EFAAC8F1-21AA-47EF-82D9-7929EA07D29D}" type="datetimeFigureOut">
               <a:rPr lang="ru-RU" smtClean="0"/>
-              <a:t>11.12.2023</a:t>
+              <a:t>12.12.2023</a:t>
             </a:fld>
             <a:endParaRPr lang="ru-RU"/>
           </a:p>
@@ -2227,7 +2227,7 @@
           <a:p>
             <a:fld id="{EFAAC8F1-21AA-47EF-82D9-7929EA07D29D}" type="datetimeFigureOut">
               <a:rPr lang="ru-RU" smtClean="0"/>
-              <a:t>11.12.2023</a:t>
+              <a:t>12.12.2023</a:t>
             </a:fld>
             <a:endParaRPr lang="ru-RU"/>
           </a:p>
@@ -2642,7 +2642,7 @@
           <a:p>
             <a:fld id="{EFAAC8F1-21AA-47EF-82D9-7929EA07D29D}" type="datetimeFigureOut">
               <a:rPr lang="ru-RU" smtClean="0"/>
-              <a:t>11.12.2023</a:t>
+              <a:t>12.12.2023</a:t>
             </a:fld>
             <a:endParaRPr lang="ru-RU"/>
           </a:p>
@@ -2784,7 +2784,7 @@
           <a:p>
             <a:fld id="{EFAAC8F1-21AA-47EF-82D9-7929EA07D29D}" type="datetimeFigureOut">
               <a:rPr lang="ru-RU" smtClean="0"/>
-              <a:t>11.12.2023</a:t>
+              <a:t>12.12.2023</a:t>
             </a:fld>
             <a:endParaRPr lang="ru-RU"/>
           </a:p>
@@ -2897,7 +2897,7 @@
           <a:p>
             <a:fld id="{EFAAC8F1-21AA-47EF-82D9-7929EA07D29D}" type="datetimeFigureOut">
               <a:rPr lang="ru-RU" smtClean="0"/>
-              <a:t>11.12.2023</a:t>
+              <a:t>12.12.2023</a:t>
             </a:fld>
             <a:endParaRPr lang="ru-RU"/>
           </a:p>
@@ -3210,7 +3210,7 @@
           <a:p>
             <a:fld id="{EFAAC8F1-21AA-47EF-82D9-7929EA07D29D}" type="datetimeFigureOut">
               <a:rPr lang="ru-RU" smtClean="0"/>
-              <a:t>11.12.2023</a:t>
+              <a:t>12.12.2023</a:t>
             </a:fld>
             <a:endParaRPr lang="ru-RU"/>
           </a:p>
@@ -3499,7 +3499,7 @@
           <a:p>
             <a:fld id="{EFAAC8F1-21AA-47EF-82D9-7929EA07D29D}" type="datetimeFigureOut">
               <a:rPr lang="ru-RU" smtClean="0"/>
-              <a:t>11.12.2023</a:t>
+              <a:t>12.12.2023</a:t>
             </a:fld>
             <a:endParaRPr lang="ru-RU"/>
           </a:p>
@@ -3742,7 +3742,7 @@
           <a:p>
             <a:fld id="{EFAAC8F1-21AA-47EF-82D9-7929EA07D29D}" type="datetimeFigureOut">
               <a:rPr lang="ru-RU" smtClean="0"/>
-              <a:t>11.12.2023</a:t>
+              <a:t>12.12.2023</a:t>
             </a:fld>
             <a:endParaRPr lang="ru-RU"/>
           </a:p>
@@ -49174,7 +49174,7 @@
                 </a:solidFill>
                 <a:effectLst/>
               </a:rPr>
-              <a:t>BufferOf32</a:t>
+              <a:t>BufferOf8</a:t>
             </a:r>
             <a:r>
               <a:rPr lang="en-GB" dirty="0">
@@ -49246,7 +49246,7 @@
                 </a:solidFill>
                 <a:effectLst/>
               </a:rPr>
-              <a:t>32</a:t>
+              <a:t>8</a:t>
             </a:r>
             <a:r>
               <a:rPr lang="en-GB" dirty="0">
@@ -49679,7 +49679,7 @@
             <a:pPr marL="0" indent="0">
               <a:buNone/>
             </a:pPr>
-            <a:endParaRPr lang="en-GB">
+            <a:endParaRPr lang="en-GB" dirty="0">
               <a:solidFill>
                 <a:srgbClr val="0033B3"/>
               </a:solidFill>
@@ -50384,16 +50384,7 @@
                 </a:solidFill>
                 <a:latin typeface="-apple-system"/>
               </a:rPr>
-              <a:t>Refactoring: </a:t>
-            </a:r>
-            <a:r>
-              <a:rPr lang="en-US">
-                <a:solidFill>
-                  <a:srgbClr val="1F2328"/>
-                </a:solidFill>
-                <a:latin typeface="-apple-system"/>
-              </a:rPr>
-              <a:t>use iterators</a:t>
+              <a:t>Refactoring: use iterators</a:t>
             </a:r>
             <a:endParaRPr lang="en-US" b="0" i="0" dirty="0">
               <a:solidFill>
